--- a/Github/Github_Git.pptx
+++ b/Github/Github_Git.pptx
@@ -5,13 +5,15 @@
     <p:sldMasterId id="2147483648" r:id="rId1"/>
   </p:sldMasterIdLst>
   <p:notesMasterIdLst>
-    <p:notesMasterId r:id="rId6"/>
+    <p:notesMasterId r:id="rId8"/>
   </p:notesMasterIdLst>
   <p:sldIdLst>
     <p:sldId id="262" r:id="rId2"/>
     <p:sldId id="259" r:id="rId3"/>
-    <p:sldId id="260" r:id="rId4"/>
-    <p:sldId id="258" r:id="rId5"/>
+    <p:sldId id="263" r:id="rId4"/>
+    <p:sldId id="264" r:id="rId5"/>
+    <p:sldId id="260" r:id="rId6"/>
+    <p:sldId id="258" r:id="rId7"/>
   </p:sldIdLst>
   <p:sldSz cx="12192000" cy="6858000"/>
   <p:notesSz cx="6858000" cy="9144000"/>
@@ -200,7 +202,7 @@
           <a:p>
             <a:fld id="{3D676053-FFF7-B945-9AB1-40DC71DCABE1}" type="datetimeFigureOut">
               <a:rPr lang="en-US" smtClean="0"/>
-              <a:t>2/15/17</a:t>
+              <a:t>2/19/17</a:t>
             </a:fld>
             <a:endParaRPr lang="en-US"/>
           </a:p>
@@ -599,7 +601,7 @@
           <a:p>
             <a:fld id="{15028305-5635-2744-90EF-321D85339A0C}" type="datetimeFigureOut">
               <a:rPr lang="en-US" smtClean="0"/>
-              <a:t>2/15/17</a:t>
+              <a:t>2/19/17</a:t>
             </a:fld>
             <a:endParaRPr lang="en-US"/>
           </a:p>
@@ -769,7 +771,7 @@
           <a:p>
             <a:fld id="{15028305-5635-2744-90EF-321D85339A0C}" type="datetimeFigureOut">
               <a:rPr lang="en-US" smtClean="0"/>
-              <a:t>2/15/17</a:t>
+              <a:t>2/19/17</a:t>
             </a:fld>
             <a:endParaRPr lang="en-US"/>
           </a:p>
@@ -949,7 +951,7 @@
           <a:p>
             <a:fld id="{15028305-5635-2744-90EF-321D85339A0C}" type="datetimeFigureOut">
               <a:rPr lang="en-US" smtClean="0"/>
-              <a:t>2/15/17</a:t>
+              <a:t>2/19/17</a:t>
             </a:fld>
             <a:endParaRPr lang="en-US"/>
           </a:p>
@@ -1119,7 +1121,7 @@
           <a:p>
             <a:fld id="{15028305-5635-2744-90EF-321D85339A0C}" type="datetimeFigureOut">
               <a:rPr lang="en-US" smtClean="0"/>
-              <a:t>2/15/17</a:t>
+              <a:t>2/19/17</a:t>
             </a:fld>
             <a:endParaRPr lang="en-US"/>
           </a:p>
@@ -1365,7 +1367,7 @@
           <a:p>
             <a:fld id="{15028305-5635-2744-90EF-321D85339A0C}" type="datetimeFigureOut">
               <a:rPr lang="en-US" smtClean="0"/>
-              <a:t>2/15/17</a:t>
+              <a:t>2/19/17</a:t>
             </a:fld>
             <a:endParaRPr lang="en-US"/>
           </a:p>
@@ -1597,7 +1599,7 @@
           <a:p>
             <a:fld id="{15028305-5635-2744-90EF-321D85339A0C}" type="datetimeFigureOut">
               <a:rPr lang="en-US" smtClean="0"/>
-              <a:t>2/15/17</a:t>
+              <a:t>2/19/17</a:t>
             </a:fld>
             <a:endParaRPr lang="en-US"/>
           </a:p>
@@ -1964,7 +1966,7 @@
           <a:p>
             <a:fld id="{15028305-5635-2744-90EF-321D85339A0C}" type="datetimeFigureOut">
               <a:rPr lang="en-US" smtClean="0"/>
-              <a:t>2/15/17</a:t>
+              <a:t>2/19/17</a:t>
             </a:fld>
             <a:endParaRPr lang="en-US"/>
           </a:p>
@@ -2082,7 +2084,7 @@
           <a:p>
             <a:fld id="{15028305-5635-2744-90EF-321D85339A0C}" type="datetimeFigureOut">
               <a:rPr lang="en-US" smtClean="0"/>
-              <a:t>2/15/17</a:t>
+              <a:t>2/19/17</a:t>
             </a:fld>
             <a:endParaRPr lang="en-US"/>
           </a:p>
@@ -2177,7 +2179,7 @@
           <a:p>
             <a:fld id="{15028305-5635-2744-90EF-321D85339A0C}" type="datetimeFigureOut">
               <a:rPr lang="en-US" smtClean="0"/>
-              <a:t>2/15/17</a:t>
+              <a:t>2/19/17</a:t>
             </a:fld>
             <a:endParaRPr lang="en-US"/>
           </a:p>
@@ -2454,7 +2456,7 @@
           <a:p>
             <a:fld id="{15028305-5635-2744-90EF-321D85339A0C}" type="datetimeFigureOut">
               <a:rPr lang="en-US" smtClean="0"/>
-              <a:t>2/15/17</a:t>
+              <a:t>2/19/17</a:t>
             </a:fld>
             <a:endParaRPr lang="en-US"/>
           </a:p>
@@ -2707,7 +2709,7 @@
           <a:p>
             <a:fld id="{15028305-5635-2744-90EF-321D85339A0C}" type="datetimeFigureOut">
               <a:rPr lang="en-US" smtClean="0"/>
-              <a:t>2/15/17</a:t>
+              <a:t>2/19/17</a:t>
             </a:fld>
             <a:endParaRPr lang="en-US"/>
           </a:p>
@@ -2926,7 +2928,7 @@
           <a:p>
             <a:fld id="{15028305-5635-2744-90EF-321D85339A0C}" type="datetimeFigureOut">
               <a:rPr lang="en-US" smtClean="0"/>
-              <a:t>2/15/17</a:t>
+              <a:t>2/19/17</a:t>
             </a:fld>
             <a:endParaRPr lang="en-US"/>
           </a:p>
@@ -3521,15 +3523,7 @@
                 <a:ea typeface="Calibri" charset="0"/>
                 <a:cs typeface="Calibri" charset="0"/>
               </a:rPr>
-              <a:t>fork (demo</a:t>
-            </a:r>
-            <a:r>
-              <a:rPr lang="en-US" sz="2600" dirty="0" smtClean="0">
-                <a:latin typeface="Calibri" charset="0"/>
-                <a:ea typeface="Calibri" charset="0"/>
-                <a:cs typeface="Calibri" charset="0"/>
-              </a:rPr>
-              <a:t>)</a:t>
+              <a:t>fork (demo)</a:t>
             </a:r>
           </a:p>
           <a:p>
@@ -3635,6 +3629,137 @@
           <a:chExt cx="0" cy="0"/>
         </a:xfrm>
       </p:grpSpPr>
+      <p:pic>
+        <p:nvPicPr>
+          <p:cNvPr id="6" name="Content Placeholder 5"/>
+          <p:cNvPicPr>
+            <a:picLocks noGrp="1" noChangeAspect="1"/>
+          </p:cNvPicPr>
+          <p:nvPr>
+            <p:ph idx="1"/>
+          </p:nvPr>
+        </p:nvPicPr>
+        <p:blipFill>
+          <a:blip r:embed="rId2">
+            <a:extLst>
+              <a:ext uri="{28A0092B-C50C-407E-A947-70E740481C1C}">
+                <a14:useLocalDpi xmlns:a14="http://schemas.microsoft.com/office/drawing/2010/main" val="0"/>
+              </a:ext>
+            </a:extLst>
+          </a:blip>
+          <a:stretch>
+            <a:fillRect/>
+          </a:stretch>
+        </p:blipFill>
+        <p:spPr>
+          <a:xfrm>
+            <a:off x="1650785" y="214903"/>
+            <a:ext cx="8890431" cy="6428195"/>
+          </a:xfrm>
+        </p:spPr>
+      </p:pic>
+    </p:spTree>
+    <p:extLst>
+      <p:ext uri="{BB962C8B-B14F-4D97-AF65-F5344CB8AC3E}">
+        <p14:creationId xmlns:p14="http://schemas.microsoft.com/office/powerpoint/2010/main" val="192070296"/>
+      </p:ext>
+    </p:extLst>
+  </p:cSld>
+  <p:clrMapOvr>
+    <a:masterClrMapping/>
+  </p:clrMapOvr>
+</p:sld>
+</file>
+
+<file path=ppt/slides/slide4.xml><?xml version="1.0" encoding="utf-8"?>
+<p:sld xmlns:a="http://schemas.openxmlformats.org/drawingml/2006/main" xmlns:r="http://schemas.openxmlformats.org/officeDocument/2006/relationships" xmlns:p="http://schemas.openxmlformats.org/presentationml/2006/main">
+  <p:cSld>
+    <p:spTree>
+      <p:nvGrpSpPr>
+        <p:cNvPr id="1" name=""/>
+        <p:cNvGrpSpPr/>
+        <p:nvPr/>
+      </p:nvGrpSpPr>
+      <p:grpSpPr>
+        <a:xfrm>
+          <a:off x="0" y="0"/>
+          <a:ext cx="0" cy="0"/>
+          <a:chOff x="0" y="0"/>
+          <a:chExt cx="0" cy="0"/>
+        </a:xfrm>
+      </p:grpSpPr>
+      <p:sp>
+        <p:nvSpPr>
+          <p:cNvPr id="2" name="Title 1"/>
+          <p:cNvSpPr>
+            <a:spLocks noGrp="1"/>
+          </p:cNvSpPr>
+          <p:nvPr>
+            <p:ph type="title"/>
+          </p:nvPr>
+        </p:nvSpPr>
+        <p:spPr/>
+        <p:txBody>
+          <a:bodyPr/>
+          <a:lstStyle/>
+          <a:p>
+            <a:r>
+              <a:rPr lang="en-US" smtClean="0"/>
+              <a:t>Demonstration</a:t>
+            </a:r>
+            <a:endParaRPr lang="en-US" dirty="0"/>
+          </a:p>
+        </p:txBody>
+      </p:sp>
+      <p:sp>
+        <p:nvSpPr>
+          <p:cNvPr id="4" name="Content Placeholder 3"/>
+          <p:cNvSpPr>
+            <a:spLocks noGrp="1"/>
+          </p:cNvSpPr>
+          <p:nvPr>
+            <p:ph idx="1"/>
+          </p:nvPr>
+        </p:nvSpPr>
+        <p:spPr/>
+        <p:txBody>
+          <a:bodyPr/>
+          <a:lstStyle/>
+          <a:p>
+            <a:endParaRPr lang="en-US"/>
+          </a:p>
+        </p:txBody>
+      </p:sp>
+    </p:spTree>
+    <p:extLst>
+      <p:ext uri="{BB962C8B-B14F-4D97-AF65-F5344CB8AC3E}">
+        <p14:creationId xmlns:p14="http://schemas.microsoft.com/office/powerpoint/2010/main" val="776364193"/>
+      </p:ext>
+    </p:extLst>
+  </p:cSld>
+  <p:clrMapOvr>
+    <a:masterClrMapping/>
+  </p:clrMapOvr>
+</p:sld>
+</file>
+
+<file path=ppt/slides/slide5.xml><?xml version="1.0" encoding="utf-8"?>
+<p:sld xmlns:a="http://schemas.openxmlformats.org/drawingml/2006/main" xmlns:r="http://schemas.openxmlformats.org/officeDocument/2006/relationships" xmlns:p="http://schemas.openxmlformats.org/presentationml/2006/main">
+  <p:cSld>
+    <p:spTree>
+      <p:nvGrpSpPr>
+        <p:cNvPr id="1" name=""/>
+        <p:cNvGrpSpPr/>
+        <p:nvPr/>
+      </p:nvGrpSpPr>
+      <p:grpSpPr>
+        <a:xfrm>
+          <a:off x="0" y="0"/>
+          <a:ext cx="0" cy="0"/>
+          <a:chOff x="0" y="0"/>
+          <a:chExt cx="0" cy="0"/>
+        </a:xfrm>
+      </p:grpSpPr>
       <p:sp>
         <p:nvSpPr>
           <p:cNvPr id="2" name="Title 1"/>
@@ -3773,7 +3898,7 @@
 </p:sld>
 </file>
 
-<file path=ppt/slides/slide4.xml><?xml version="1.0" encoding="utf-8"?>
+<file path=ppt/slides/slide6.xml><?xml version="1.0" encoding="utf-8"?>
 <p:sld xmlns:a="http://schemas.openxmlformats.org/drawingml/2006/main" xmlns:r="http://schemas.openxmlformats.org/officeDocument/2006/relationships" xmlns:p="http://schemas.openxmlformats.org/presentationml/2006/main">
   <p:cSld>
     <p:spTree>

--- a/Github/Github_Git.pptx
+++ b/Github/Github_Git.pptx
@@ -3708,25 +3708,6 @@
               <a:t>Demonstration</a:t>
             </a:r>
             <a:endParaRPr lang="en-US" dirty="0"/>
-          </a:p>
-        </p:txBody>
-      </p:sp>
-      <p:sp>
-        <p:nvSpPr>
-          <p:cNvPr id="4" name="Content Placeholder 3"/>
-          <p:cNvSpPr>
-            <a:spLocks noGrp="1"/>
-          </p:cNvSpPr>
-          <p:nvPr>
-            <p:ph idx="1"/>
-          </p:nvPr>
-        </p:nvSpPr>
-        <p:spPr/>
-        <p:txBody>
-          <a:bodyPr/>
-          <a:lstStyle/>
-          <a:p>
-            <a:endParaRPr lang="en-US"/>
           </a:p>
         </p:txBody>
       </p:sp>
